--- a/Task_1_Presentation.pptx
+++ b/Task_1_Presentation.pptx
@@ -3330,15 +3330,7 @@
           <a:p>
             <a:r>
               <a:rPr lang="en-US" dirty="0"/>
-              <a:t>model </a:t>
-            </a:r>
-            <a:r>
-              <a:rPr lang="en-US" dirty="0" err="1"/>
-              <a:t>eXplainability</a:t>
-            </a:r>
-            <a:r>
-              <a:rPr lang="en-US" dirty="0"/>
-              <a:t> for retail banking marketing prediction</a:t>
+              <a:t>model explainability for retail banking marketing prediction</a:t>
             </a:r>
             <a:endParaRPr lang="en-ID" b="1" dirty="0"/>
           </a:p>
